--- a/BackEnd/Server/ImagesPdf/ImagesEdition.pptx
+++ b/BackEnd/Server/ImagesPdf/ImagesEdition.pptx
@@ -6,6 +6,7 @@
   </p:sldMasterIdLst>
   <p:sldIdLst>
     <p:sldId id="256" r:id="rId2"/>
+    <p:sldId id="257" r:id="rId3"/>
   </p:sldIdLst>
   <p:sldSz cx="9144000" cy="6858000" type="letter"/>
   <p:notesSz cx="9144000" cy="6858000"/>
@@ -104,6 +105,11 @@
       </a:defRPr>
     </a:lvl9pPr>
   </p:defaultTextStyle>
+  <p:extLst>
+    <p:ext uri="{EFAFB233-063F-42B5-8137-9DF3F51BA10A}">
+      <p15:sldGuideLst xmlns:p15="http://schemas.microsoft.com/office/powerpoint/2012/main"/>
+    </p:ext>
+  </p:extLst>
 </p:presentation>
 </file>
 
@@ -3069,10 +3075,300 @@
           </a:extLst>
         </p:spPr>
       </p:pic>
+      <p:sp>
+        <p:nvSpPr>
+          <p:cNvPr id="4" name="Rectángulo 3">
+            <a:extLst>
+              <a:ext uri="{FF2B5EF4-FFF2-40B4-BE49-F238E27FC236}">
+                <a16:creationId xmlns:a16="http://schemas.microsoft.com/office/drawing/2014/main" id="{DF2F76F6-9A2C-43A3-970D-906B6B20A845}"/>
+              </a:ext>
+            </a:extLst>
+          </p:cNvPr>
+          <p:cNvSpPr/>
+          <p:nvPr/>
+        </p:nvSpPr>
+        <p:spPr>
+          <a:xfrm>
+            <a:off x="0" y="4457114"/>
+            <a:ext cx="9144000" cy="2066925"/>
+          </a:xfrm>
+          <a:prstGeom prst="rect">
+            <a:avLst/>
+          </a:prstGeom>
+          <a:solidFill>
+            <a:srgbClr val="D7D4EC"/>
+          </a:solidFill>
+          <a:ln>
+            <a:solidFill>
+              <a:srgbClr val="D7D4EC"/>
+            </a:solidFill>
+          </a:ln>
+        </p:spPr>
+        <p:style>
+          <a:lnRef idx="2">
+            <a:schemeClr val="accent1">
+              <a:shade val="50000"/>
+            </a:schemeClr>
+          </a:lnRef>
+          <a:fillRef idx="1">
+            <a:schemeClr val="accent1"/>
+          </a:fillRef>
+          <a:effectRef idx="0">
+            <a:schemeClr val="accent1"/>
+          </a:effectRef>
+          <a:fontRef idx="minor">
+            <a:schemeClr val="lt1"/>
+          </a:fontRef>
+        </p:style>
+        <p:txBody>
+          <a:bodyPr rtlCol="0" anchor="ctr"/>
+          <a:lstStyle/>
+          <a:p>
+            <a:pPr algn="ctr"/>
+            <a:endParaRPr lang="es-MX">
+              <a:solidFill>
+                <a:srgbClr val="CCCCFF"/>
+              </a:solidFill>
+            </a:endParaRPr>
+          </a:p>
+        </p:txBody>
+      </p:sp>
     </p:spTree>
     <p:extLst>
       <p:ext uri="{BB962C8B-B14F-4D97-AF65-F5344CB8AC3E}">
         <p14:creationId xmlns:p14="http://schemas.microsoft.com/office/powerpoint/2010/main" val="2175388646"/>
+      </p:ext>
+    </p:extLst>
+  </p:cSld>
+  <p:clrMapOvr>
+    <a:masterClrMapping/>
+  </p:clrMapOvr>
+</p:sld>
+</file>
+
+<file path=ppt/slides/slide2.xml><?xml version="1.0" encoding="utf-8"?>
+<p:sld xmlns:a="http://schemas.openxmlformats.org/drawingml/2006/main" xmlns:r="http://schemas.openxmlformats.org/officeDocument/2006/relationships" xmlns:p="http://schemas.openxmlformats.org/presentationml/2006/main">
+  <p:cSld>
+    <p:spTree>
+      <p:nvGrpSpPr>
+        <p:cNvPr id="1" name=""/>
+        <p:cNvGrpSpPr/>
+        <p:nvPr/>
+      </p:nvGrpSpPr>
+      <p:grpSpPr>
+        <a:xfrm>
+          <a:off x="0" y="0"/>
+          <a:ext cx="0" cy="0"/>
+          <a:chOff x="0" y="0"/>
+          <a:chExt cx="0" cy="0"/>
+        </a:xfrm>
+      </p:grpSpPr>
+      <p:sp>
+        <p:nvSpPr>
+          <p:cNvPr id="2" name="Rectángulo 1">
+            <a:extLst>
+              <a:ext uri="{FF2B5EF4-FFF2-40B4-BE49-F238E27FC236}">
+                <a16:creationId xmlns:a16="http://schemas.microsoft.com/office/drawing/2014/main" id="{08D66AD9-3727-4142-864B-17CED6397787}"/>
+              </a:ext>
+            </a:extLst>
+          </p:cNvPr>
+          <p:cNvSpPr/>
+          <p:nvPr/>
+        </p:nvSpPr>
+        <p:spPr>
+          <a:xfrm>
+            <a:off x="0" y="194603"/>
+            <a:ext cx="9144000" cy="2309446"/>
+          </a:xfrm>
+          <a:prstGeom prst="rect">
+            <a:avLst/>
+          </a:prstGeom>
+          <a:solidFill>
+            <a:schemeClr val="accent4">
+              <a:lumMod val="40000"/>
+              <a:lumOff val="60000"/>
+            </a:schemeClr>
+          </a:solidFill>
+          <a:ln>
+            <a:solidFill>
+              <a:schemeClr val="accent4">
+                <a:lumMod val="40000"/>
+                <a:lumOff val="60000"/>
+              </a:schemeClr>
+            </a:solidFill>
+          </a:ln>
+        </p:spPr>
+        <p:style>
+          <a:lnRef idx="2">
+            <a:schemeClr val="accent1">
+              <a:shade val="50000"/>
+            </a:schemeClr>
+          </a:lnRef>
+          <a:fillRef idx="1">
+            <a:schemeClr val="accent1"/>
+          </a:fillRef>
+          <a:effectRef idx="0">
+            <a:schemeClr val="accent1"/>
+          </a:effectRef>
+          <a:fontRef idx="minor">
+            <a:schemeClr val="lt1"/>
+          </a:fontRef>
+        </p:style>
+        <p:txBody>
+          <a:bodyPr rtlCol="0" anchor="ctr"/>
+          <a:lstStyle/>
+          <a:p>
+            <a:pPr algn="ctr"/>
+            <a:endParaRPr lang="es-MX">
+              <a:solidFill>
+                <a:srgbClr val="CCCCFF"/>
+              </a:solidFill>
+            </a:endParaRPr>
+          </a:p>
+        </p:txBody>
+      </p:sp>
+      <p:sp>
+        <p:nvSpPr>
+          <p:cNvPr id="3" name="CuadroTexto 2">
+            <a:extLst>
+              <a:ext uri="{FF2B5EF4-FFF2-40B4-BE49-F238E27FC236}">
+                <a16:creationId xmlns:a16="http://schemas.microsoft.com/office/drawing/2014/main" id="{25CA1E03-688A-48B1-816E-87926495A869}"/>
+              </a:ext>
+            </a:extLst>
+          </p:cNvPr>
+          <p:cNvSpPr txBox="1"/>
+          <p:nvPr/>
+        </p:nvSpPr>
+        <p:spPr>
+          <a:xfrm>
+            <a:off x="0" y="0"/>
+            <a:ext cx="6006904" cy="1569660"/>
+          </a:xfrm>
+          <a:prstGeom prst="rect">
+            <a:avLst/>
+          </a:prstGeom>
+          <a:noFill/>
+        </p:spPr>
+        <p:txBody>
+          <a:bodyPr wrap="square" rtlCol="0">
+            <a:spAutoFit/>
+          </a:bodyPr>
+          <a:lstStyle/>
+          <a:p>
+            <a:r>
+              <a:rPr lang="es-MX" sz="9600" b="1" dirty="0">
+                <a:latin typeface="Edwardian Script ITC" panose="030303020407070D0804" pitchFamily="66" charset="0"/>
+              </a:rPr>
+              <a:t>Reconocimiento </a:t>
+            </a:r>
+          </a:p>
+        </p:txBody>
+      </p:sp>
+      <p:sp>
+        <p:nvSpPr>
+          <p:cNvPr id="4" name="CuadroTexto 3">
+            <a:extLst>
+              <a:ext uri="{FF2B5EF4-FFF2-40B4-BE49-F238E27FC236}">
+                <a16:creationId xmlns:a16="http://schemas.microsoft.com/office/drawing/2014/main" id="{F88FF990-47D8-4C71-B4B0-FA287E72CDC4}"/>
+              </a:ext>
+            </a:extLst>
+          </p:cNvPr>
+          <p:cNvSpPr txBox="1"/>
+          <p:nvPr/>
+        </p:nvSpPr>
+        <p:spPr>
+          <a:xfrm>
+            <a:off x="2685756" y="1102543"/>
+            <a:ext cx="6642296" cy="1323439"/>
+          </a:xfrm>
+          <a:prstGeom prst="rect">
+            <a:avLst/>
+          </a:prstGeom>
+          <a:noFill/>
+        </p:spPr>
+        <p:txBody>
+          <a:bodyPr wrap="square" rtlCol="0">
+            <a:spAutoFit/>
+          </a:bodyPr>
+          <a:lstStyle/>
+          <a:p>
+            <a:r>
+              <a:rPr lang="es-MX" sz="8000" b="1" dirty="0">
+                <a:latin typeface="Edwardian Script ITC" panose="030303020407070D0804" pitchFamily="66" charset="0"/>
+              </a:rPr>
+              <a:t>al mérito Politécnico</a:t>
+            </a:r>
+          </a:p>
+        </p:txBody>
+      </p:sp>
+      <p:sp>
+        <p:nvSpPr>
+          <p:cNvPr id="5" name="Rectángulo 4">
+            <a:extLst>
+              <a:ext uri="{FF2B5EF4-FFF2-40B4-BE49-F238E27FC236}">
+                <a16:creationId xmlns:a16="http://schemas.microsoft.com/office/drawing/2014/main" id="{E2ADA4E0-48BC-4459-A032-C1DFC416B3A2}"/>
+              </a:ext>
+            </a:extLst>
+          </p:cNvPr>
+          <p:cNvSpPr/>
+          <p:nvPr/>
+        </p:nvSpPr>
+        <p:spPr>
+          <a:xfrm>
+            <a:off x="0" y="4159347"/>
+            <a:ext cx="9144000" cy="2309446"/>
+          </a:xfrm>
+          <a:prstGeom prst="rect">
+            <a:avLst/>
+          </a:prstGeom>
+          <a:solidFill>
+            <a:schemeClr val="accent4">
+              <a:lumMod val="40000"/>
+              <a:lumOff val="60000"/>
+            </a:schemeClr>
+          </a:solidFill>
+          <a:ln>
+            <a:solidFill>
+              <a:schemeClr val="accent4">
+                <a:lumMod val="40000"/>
+                <a:lumOff val="60000"/>
+              </a:schemeClr>
+            </a:solidFill>
+          </a:ln>
+        </p:spPr>
+        <p:style>
+          <a:lnRef idx="2">
+            <a:schemeClr val="accent1">
+              <a:shade val="50000"/>
+            </a:schemeClr>
+          </a:lnRef>
+          <a:fillRef idx="1">
+            <a:schemeClr val="accent1"/>
+          </a:fillRef>
+          <a:effectRef idx="0">
+            <a:schemeClr val="accent1"/>
+          </a:effectRef>
+          <a:fontRef idx="minor">
+            <a:schemeClr val="lt1"/>
+          </a:fontRef>
+        </p:style>
+        <p:txBody>
+          <a:bodyPr rtlCol="0" anchor="ctr"/>
+          <a:lstStyle/>
+          <a:p>
+            <a:pPr algn="ctr"/>
+            <a:endParaRPr lang="es-MX">
+              <a:solidFill>
+                <a:srgbClr val="CCCCFF"/>
+              </a:solidFill>
+            </a:endParaRPr>
+          </a:p>
+        </p:txBody>
+      </p:sp>
+    </p:spTree>
+    <p:extLst>
+      <p:ext uri="{BB962C8B-B14F-4D97-AF65-F5344CB8AC3E}">
+        <p14:creationId xmlns:p14="http://schemas.microsoft.com/office/powerpoint/2010/main" val="2375805565"/>
       </p:ext>
     </p:extLst>
   </p:cSld>
